--- a/docs/js api/尚云企业应用平台JS API相关说明.pptx
+++ b/docs/js api/尚云企业应用平台JS API相关说明.pptx
@@ -280,7 +280,7 @@
           <a:p>
             <a:fld id="{E9630DBF-D010-4114-9DE3-41E342A27C18}" type="datetimeFigureOut">
               <a:rPr lang="zh-CN" altLang="en-US" smtClean="0"/>
-              <a:t>2018/3/5</a:t>
+              <a:t>2018/3/14</a:t>
             </a:fld>
             <a:endParaRPr lang="zh-CN" altLang="en-US"/>
           </a:p>
@@ -451,7 +451,7 @@
             </a:pPr>
             <a:fld id="{06024D97-E667-405D-B634-E583E2108D71}" type="datetimeFigureOut">
               <a:rPr lang="zh-CN" altLang="en-US"/>
-              <a:t>2018/3/5</a:t>
+              <a:t>2018/3/14</a:t>
             </a:fld>
             <a:endParaRPr lang="zh-CN" altLang="en-US"/>
           </a:p>
@@ -786,7 +786,7 @@
           <a:p>
             <a:fld id="{32BF82D2-7A68-459D-A996-9BDDA2518FA4}" type="datetimeFigureOut">
               <a:rPr lang="zh-CN" altLang="en-US" smtClean="0"/>
-              <a:t>2018/3/5</a:t>
+              <a:t>2018/3/14</a:t>
             </a:fld>
             <a:endParaRPr lang="zh-CN" altLang="en-US"/>
           </a:p>
@@ -994,7 +994,7 @@
           <a:p>
             <a:fld id="{32BF82D2-7A68-459D-A996-9BDDA2518FA4}" type="datetimeFigureOut">
               <a:rPr lang="zh-CN" altLang="en-US" smtClean="0"/>
-              <a:t>2018/3/5</a:t>
+              <a:t>2018/3/14</a:t>
             </a:fld>
             <a:endParaRPr lang="zh-CN" altLang="en-US"/>
           </a:p>
@@ -3726,9 +3726,9 @@
         <p:grpSpPr>
           <a:xfrm>
             <a:off x="1028775" y="1744129"/>
-            <a:ext cx="8064896" cy="2250366"/>
+            <a:ext cx="8064896" cy="2573531"/>
             <a:chOff x="2573884" y="1489068"/>
-            <a:chExt cx="5325683" cy="1600342"/>
+            <a:chExt cx="5325683" cy="1830160"/>
           </a:xfrm>
         </p:grpSpPr>
         <p:sp>
@@ -3740,7 +3740,7 @@
           <p:spPr>
             <a:xfrm>
               <a:off x="2573884" y="1874656"/>
-              <a:ext cx="5325683" cy="1214754"/>
+              <a:ext cx="5325683" cy="1444572"/>
             </a:xfrm>
             <a:prstGeom prst="rect">
               <a:avLst/>
@@ -3915,6 +3915,42 @@
                   <a:sym typeface="+mn-lt"/>
                 </a:rPr>
                 <a:t>打开应用会话接口</a:t>
+              </a:r>
+              <a:endParaRPr lang="en-US" altLang="zh-CN" sz="1400" dirty="0">
+                <a:solidFill>
+                  <a:schemeClr val="tx1">
+                    <a:lumMod val="65000"/>
+                    <a:lumOff val="35000"/>
+                  </a:schemeClr>
+                </a:solidFill>
+                <a:latin typeface="Arial" panose="020B0604020202020204" pitchFamily="34" charset="0"/>
+                <a:ea typeface="微软雅黑" panose="020B0503020204020204" pitchFamily="34" charset="-122"/>
+                <a:cs typeface="+mn-ea"/>
+                <a:sym typeface="+mn-lt"/>
+              </a:endParaRPr>
+            </a:p>
+            <a:p>
+              <a:pPr marL="285750" indent="-285750">
+                <a:lnSpc>
+                  <a:spcPct val="150000"/>
+                </a:lnSpc>
+                <a:buFont typeface="Arial" panose="020B0604020202020204" pitchFamily="34" charset="0"/>
+                <a:buChar char="•"/>
+              </a:pPr>
+              <a:r>
+                <a:rPr lang="zh-CN" altLang="en-US" sz="1400" dirty="0">
+                  <a:solidFill>
+                    <a:schemeClr val="tx1">
+                      <a:lumMod val="65000"/>
+                      <a:lumOff val="35000"/>
+                    </a:schemeClr>
+                  </a:solidFill>
+                  <a:latin typeface="Arial" panose="020B0604020202020204" pitchFamily="34" charset="0"/>
+                  <a:ea typeface="微软雅黑" panose="020B0503020204020204" pitchFamily="34" charset="-122"/>
+                  <a:cs typeface="+mn-ea"/>
+                  <a:sym typeface="+mn-lt"/>
+                </a:rPr>
+                <a:t>打开音视频聊天接口</a:t>
               </a:r>
               <a:endParaRPr lang="en-GB" altLang="zh-CN" sz="1400" dirty="0">
                 <a:solidFill>
@@ -6603,9 +6639,9 @@
         <p:grpSpPr>
           <a:xfrm>
             <a:off x="1028775" y="1744123"/>
-            <a:ext cx="8064896" cy="3866191"/>
+            <a:ext cx="8064896" cy="4512523"/>
             <a:chOff x="2573884" y="1489068"/>
-            <a:chExt cx="5325683" cy="2749436"/>
+            <a:chExt cx="5325683" cy="3209074"/>
           </a:xfrm>
         </p:grpSpPr>
         <p:sp>
@@ -6617,7 +6653,7 @@
           <p:spPr>
             <a:xfrm>
               <a:off x="2573884" y="1874656"/>
-              <a:ext cx="5325683" cy="2363848"/>
+              <a:ext cx="5325683" cy="2823486"/>
             </a:xfrm>
             <a:prstGeom prst="rect">
               <a:avLst/>
@@ -6779,7 +6815,79 @@
                   <a:cs typeface="+mn-ea"/>
                   <a:sym typeface="+mn-lt"/>
                 </a:rPr>
+                <a:t>从云盘选择文件接口</a:t>
+              </a:r>
+              <a:endParaRPr lang="en-US" altLang="zh-CN" sz="1400" dirty="0">
+                <a:solidFill>
+                  <a:schemeClr val="tx1">
+                    <a:lumMod val="65000"/>
+                    <a:lumOff val="35000"/>
+                  </a:schemeClr>
+                </a:solidFill>
+                <a:latin typeface="Arial" panose="020B0604020202020204" pitchFamily="34" charset="0"/>
+                <a:ea typeface="微软雅黑" panose="020B0503020204020204" pitchFamily="34" charset="-122"/>
+                <a:cs typeface="+mn-ea"/>
+                <a:sym typeface="+mn-lt"/>
+              </a:endParaRPr>
+            </a:p>
+            <a:p>
+              <a:pPr marL="285750" indent="-285750">
+                <a:lnSpc>
+                  <a:spcPct val="150000"/>
+                </a:lnSpc>
+                <a:buFont typeface="Arial" panose="020B0604020202020204" pitchFamily="34" charset="0"/>
+                <a:buChar char="•"/>
+              </a:pPr>
+              <a:r>
+                <a:rPr lang="zh-CN" altLang="en-US" sz="1400" dirty="0">
+                  <a:solidFill>
+                    <a:schemeClr val="tx1">
+                      <a:lumMod val="65000"/>
+                      <a:lumOff val="35000"/>
+                    </a:schemeClr>
+                  </a:solidFill>
+                  <a:latin typeface="Arial" panose="020B0604020202020204" pitchFamily="34" charset="0"/>
+                  <a:ea typeface="微软雅黑" panose="020B0503020204020204" pitchFamily="34" charset="-122"/>
+                  <a:cs typeface="+mn-ea"/>
+                  <a:sym typeface="+mn-lt"/>
+                </a:rPr>
                 <a:t>预览文件接口</a:t>
+              </a:r>
+              <a:endParaRPr lang="en-US" altLang="zh-CN" sz="1400" dirty="0">
+                <a:solidFill>
+                  <a:schemeClr val="tx1">
+                    <a:lumMod val="65000"/>
+                    <a:lumOff val="35000"/>
+                  </a:schemeClr>
+                </a:solidFill>
+                <a:latin typeface="Arial" panose="020B0604020202020204" pitchFamily="34" charset="0"/>
+                <a:ea typeface="微软雅黑" panose="020B0503020204020204" pitchFamily="34" charset="-122"/>
+                <a:cs typeface="+mn-ea"/>
+                <a:sym typeface="+mn-lt"/>
+              </a:endParaRPr>
+            </a:p>
+            <a:p>
+              <a:pPr marL="285750" indent="-285750">
+                <a:lnSpc>
+                  <a:spcPct val="150000"/>
+                </a:lnSpc>
+                <a:buFont typeface="Arial" panose="020B0604020202020204" pitchFamily="34" charset="0"/>
+                <a:buChar char="•"/>
+              </a:pPr>
+              <a:r>
+                <a:rPr lang="zh-CN" altLang="en-US" sz="1400">
+                  <a:solidFill>
+                    <a:schemeClr val="tx1">
+                      <a:lumMod val="65000"/>
+                      <a:lumOff val="35000"/>
+                    </a:schemeClr>
+                  </a:solidFill>
+                  <a:latin typeface="Arial" panose="020B0604020202020204" pitchFamily="34" charset="0"/>
+                  <a:ea typeface="微软雅黑" panose="020B0503020204020204" pitchFamily="34" charset="-122"/>
+                  <a:cs typeface="+mn-ea"/>
+                  <a:sym typeface="+mn-lt"/>
+                </a:rPr>
+                <a:t>收藏文件到云盘接口</a:t>
               </a:r>
               <a:endParaRPr lang="en-US" altLang="zh-CN" sz="1400" dirty="0">
                 <a:solidFill>

--- a/docs/js api/尚云企业应用平台JS API相关说明.pptx
+++ b/docs/js api/尚云企业应用平台JS API相关说明.pptx
@@ -280,7 +280,7 @@
           <a:p>
             <a:fld id="{E9630DBF-D010-4114-9DE3-41E342A27C18}" type="datetimeFigureOut">
               <a:rPr lang="zh-CN" altLang="en-US" smtClean="0"/>
-              <a:t>2018/3/14</a:t>
+              <a:t>2018/3/15</a:t>
             </a:fld>
             <a:endParaRPr lang="zh-CN" altLang="en-US"/>
           </a:p>
@@ -451,7 +451,7 @@
             </a:pPr>
             <a:fld id="{06024D97-E667-405D-B634-E583E2108D71}" type="datetimeFigureOut">
               <a:rPr lang="zh-CN" altLang="en-US"/>
-              <a:t>2018/3/14</a:t>
+              <a:t>2018/3/15</a:t>
             </a:fld>
             <a:endParaRPr lang="zh-CN" altLang="en-US"/>
           </a:p>
@@ -786,7 +786,7 @@
           <a:p>
             <a:fld id="{32BF82D2-7A68-459D-A996-9BDDA2518FA4}" type="datetimeFigureOut">
               <a:rPr lang="zh-CN" altLang="en-US" smtClean="0"/>
-              <a:t>2018/3/14</a:t>
+              <a:t>2018/3/15</a:t>
             </a:fld>
             <a:endParaRPr lang="zh-CN" altLang="en-US"/>
           </a:p>
@@ -994,7 +994,7 @@
           <a:p>
             <a:fld id="{32BF82D2-7A68-459D-A996-9BDDA2518FA4}" type="datetimeFigureOut">
               <a:rPr lang="zh-CN" altLang="en-US" smtClean="0"/>
-              <a:t>2018/3/14</a:t>
+              <a:t>2018/3/15</a:t>
             </a:fld>
             <a:endParaRPr lang="zh-CN" altLang="en-US"/>
           </a:p>
@@ -6639,9 +6639,9 @@
         <p:grpSpPr>
           <a:xfrm>
             <a:off x="1028775" y="1744123"/>
-            <a:ext cx="8064896" cy="4512523"/>
+            <a:ext cx="8064896" cy="4835688"/>
             <a:chOff x="2573884" y="1489068"/>
-            <a:chExt cx="5325683" cy="3209074"/>
+            <a:chExt cx="5325683" cy="3438892"/>
           </a:xfrm>
         </p:grpSpPr>
         <p:sp>
@@ -6653,7 +6653,7 @@
           <p:spPr>
             <a:xfrm>
               <a:off x="2573884" y="1874656"/>
-              <a:ext cx="5325683" cy="2823486"/>
+              <a:ext cx="5325683" cy="3053304"/>
             </a:xfrm>
             <a:prstGeom prst="rect">
               <a:avLst/>
@@ -6876,6 +6876,42 @@
               </a:pPr>
               <a:r>
                 <a:rPr lang="zh-CN" altLang="en-US" sz="1400">
+                  <a:solidFill>
+                    <a:schemeClr val="tx1">
+                      <a:lumMod val="65000"/>
+                      <a:lumOff val="35000"/>
+                    </a:schemeClr>
+                  </a:solidFill>
+                  <a:latin typeface="Arial" panose="020B0604020202020204" pitchFamily="34" charset="0"/>
+                  <a:ea typeface="微软雅黑" panose="020B0503020204020204" pitchFamily="34" charset="-122"/>
+                  <a:cs typeface="+mn-ea"/>
+                  <a:sym typeface="+mn-lt"/>
+                </a:rPr>
+                <a:t>打印文件接口</a:t>
+              </a:r>
+              <a:endParaRPr lang="en-US" altLang="zh-CN" sz="1400" dirty="0">
+                <a:solidFill>
+                  <a:schemeClr val="tx1">
+                    <a:lumMod val="65000"/>
+                    <a:lumOff val="35000"/>
+                  </a:schemeClr>
+                </a:solidFill>
+                <a:latin typeface="Arial" panose="020B0604020202020204" pitchFamily="34" charset="0"/>
+                <a:ea typeface="微软雅黑" panose="020B0503020204020204" pitchFamily="34" charset="-122"/>
+                <a:cs typeface="+mn-ea"/>
+                <a:sym typeface="+mn-lt"/>
+              </a:endParaRPr>
+            </a:p>
+            <a:p>
+              <a:pPr marL="285750" indent="-285750">
+                <a:lnSpc>
+                  <a:spcPct val="150000"/>
+                </a:lnSpc>
+                <a:buFont typeface="Arial" panose="020B0604020202020204" pitchFamily="34" charset="0"/>
+                <a:buChar char="•"/>
+              </a:pPr>
+              <a:r>
+                <a:rPr lang="zh-CN" altLang="en-US" sz="1400" dirty="0">
                   <a:solidFill>
                     <a:schemeClr val="tx1">
                       <a:lumMod val="65000"/>
